--- a/ppt/TDengine介绍.pptx
+++ b/ppt/TDengine介绍.pptx
@@ -6382,13 +6382,7 @@
           <a:p>
             <a:r>
               <a:rPr lang="zh-CN" altLang="en-US" sz="2800"/>
-              <a:t>下载</a:t>
-            </a:r>
-            <a:r>
-              <a:rPr lang="zh-CN" altLang="en-US" sz="2800">
-                <a:hlinkClick r:id="rId1" tooltip="" action="ppaction://hlinkfile"/>
-              </a:rPr>
-              <a:t>TDengine-server-1.6.5.6-Linux-x64.deb (2.5M)</a:t>
+              <a:t>下载最新版 TDengine-server-1.6.5.6-Linux-x64.deb (2.5M)</a:t>
             </a:r>
             <a:endParaRPr lang="zh-CN" altLang="en-US" sz="2800"/>
           </a:p>
